--- a/pptx/chapter-8.pptx
+++ b/pptx/chapter-8.pptx
@@ -5,10 +5,11 @@
     <p:sldMasterId id="2147483660" r:id="rId1"/>
   </p:sldMasterIdLst>
   <p:sldIdLst>
-    <p:sldId id="261" r:id="rId2"/>
-    <p:sldId id="262" r:id="rId3"/>
-    <p:sldId id="263" r:id="rId4"/>
-    <p:sldId id="264" r:id="rId5"/>
+    <p:sldId id="265" r:id="rId2"/>
+    <p:sldId id="261" r:id="rId3"/>
+    <p:sldId id="262" r:id="rId4"/>
+    <p:sldId id="263" r:id="rId5"/>
+    <p:sldId id="264" r:id="rId6"/>
   </p:sldIdLst>
   <p:sldSz cx="9144000" cy="6858000" type="screen4x3"/>
   <p:notesSz cx="6858000" cy="9144000"/>
@@ -157,7 +158,7 @@
           </a:lstStyle>
           <a:p>
             <a:r>
-              <a:rPr lang="ja-JP" altLang="en-US" smtClean="0"/>
+              <a:rPr lang="ja-JP" altLang="en-US"/>
               <a:t>マスター タイトルの書式設定</a:t>
             </a:r>
             <a:endParaRPr lang="en-US" dirty="0"/>
@@ -222,7 +223,7 @@
           </a:lstStyle>
           <a:p>
             <a:r>
-              <a:rPr lang="ja-JP" altLang="en-US" smtClean="0"/>
+              <a:rPr lang="ja-JP" altLang="en-US"/>
               <a:t>マスター サブタイトルの書式設定</a:t>
             </a:r>
             <a:endParaRPr lang="en-US" dirty="0"/>
@@ -246,7 +247,7 @@
           <a:p>
             <a:fld id="{07DD73A8-177D-4FF7-AF69-632B85FAD23A}" type="datetimeFigureOut">
               <a:rPr kumimoji="1" lang="ja-JP" altLang="en-US" smtClean="0"/>
-              <a:t>2013/6/10</a:t>
+              <a:t>2018/3/30</a:t>
             </a:fld>
             <a:endParaRPr kumimoji="1" lang="ja-JP" altLang="en-US"/>
           </a:p>
@@ -340,7 +341,7 @@
           <a:lstStyle/>
           <a:p>
             <a:r>
-              <a:rPr lang="ja-JP" altLang="en-US" smtClean="0"/>
+              <a:rPr lang="ja-JP" altLang="en-US"/>
               <a:t>マスター タイトルの書式設定</a:t>
             </a:r>
             <a:endParaRPr lang="en-US" dirty="0"/>
@@ -364,67 +365,67 @@
           <a:p>
             <a:pPr lvl="0"/>
             <a:r>
-              <a:rPr lang="ja-JP" altLang="en-US" smtClean="0"/>
+              <a:rPr lang="ja-JP" altLang="en-US"/>
               <a:t>マスター テキストの書式設定</a:t>
             </a:r>
           </a:p>
           <a:p>
             <a:pPr lvl="1"/>
             <a:r>
-              <a:rPr lang="ja-JP" altLang="en-US" smtClean="0"/>
+              <a:rPr lang="ja-JP" altLang="en-US"/>
               <a:t>第 </a:t>
             </a:r>
             <a:r>
-              <a:rPr lang="en-US" altLang="ja-JP" smtClean="0"/>
+              <a:rPr lang="en-US" altLang="ja-JP"/>
               <a:t>2 </a:t>
             </a:r>
             <a:r>
-              <a:rPr lang="ja-JP" altLang="en-US" smtClean="0"/>
+              <a:rPr lang="ja-JP" altLang="en-US"/>
               <a:t>レベル</a:t>
             </a:r>
           </a:p>
           <a:p>
             <a:pPr lvl="2"/>
             <a:r>
-              <a:rPr lang="ja-JP" altLang="en-US" smtClean="0"/>
+              <a:rPr lang="ja-JP" altLang="en-US"/>
               <a:t>第 </a:t>
             </a:r>
             <a:r>
-              <a:rPr lang="en-US" altLang="ja-JP" smtClean="0"/>
+              <a:rPr lang="en-US" altLang="ja-JP"/>
               <a:t>3 </a:t>
             </a:r>
             <a:r>
-              <a:rPr lang="ja-JP" altLang="en-US" smtClean="0"/>
+              <a:rPr lang="ja-JP" altLang="en-US"/>
               <a:t>レベル</a:t>
             </a:r>
           </a:p>
           <a:p>
             <a:pPr lvl="3"/>
             <a:r>
-              <a:rPr lang="ja-JP" altLang="en-US" smtClean="0"/>
+              <a:rPr lang="ja-JP" altLang="en-US"/>
               <a:t>第 </a:t>
             </a:r>
             <a:r>
-              <a:rPr lang="en-US" altLang="ja-JP" smtClean="0"/>
+              <a:rPr lang="en-US" altLang="ja-JP"/>
               <a:t>4 </a:t>
             </a:r>
             <a:r>
-              <a:rPr lang="ja-JP" altLang="en-US" smtClean="0"/>
+              <a:rPr lang="ja-JP" altLang="en-US"/>
               <a:t>レベル</a:t>
             </a:r>
           </a:p>
           <a:p>
             <a:pPr lvl="4"/>
             <a:r>
-              <a:rPr lang="ja-JP" altLang="en-US" smtClean="0"/>
+              <a:rPr lang="ja-JP" altLang="en-US"/>
               <a:t>第 </a:t>
             </a:r>
             <a:r>
-              <a:rPr lang="en-US" altLang="ja-JP" smtClean="0"/>
+              <a:rPr lang="en-US" altLang="ja-JP"/>
               <a:t>5 </a:t>
             </a:r>
             <a:r>
-              <a:rPr lang="ja-JP" altLang="en-US" smtClean="0"/>
+              <a:rPr lang="ja-JP" altLang="en-US"/>
               <a:t>レベル</a:t>
             </a:r>
             <a:endParaRPr lang="en-US" dirty="0"/>
@@ -448,7 +449,7 @@
           <a:p>
             <a:fld id="{07DD73A8-177D-4FF7-AF69-632B85FAD23A}" type="datetimeFigureOut">
               <a:rPr kumimoji="1" lang="ja-JP" altLang="en-US" smtClean="0"/>
-              <a:t>2013/6/10</a:t>
+              <a:t>2018/3/30</a:t>
             </a:fld>
             <a:endParaRPr kumimoji="1" lang="ja-JP" altLang="en-US"/>
           </a:p>
@@ -547,7 +548,7 @@
           <a:lstStyle/>
           <a:p>
             <a:r>
-              <a:rPr lang="ja-JP" altLang="en-US" smtClean="0"/>
+              <a:rPr lang="ja-JP" altLang="en-US"/>
               <a:t>マスター タイトルの書式設定</a:t>
             </a:r>
             <a:endParaRPr lang="en-US" dirty="0"/>
@@ -576,67 +577,67 @@
           <a:p>
             <a:pPr lvl="0"/>
             <a:r>
-              <a:rPr lang="ja-JP" altLang="en-US" smtClean="0"/>
+              <a:rPr lang="ja-JP" altLang="en-US"/>
               <a:t>マスター テキストの書式設定</a:t>
             </a:r>
           </a:p>
           <a:p>
             <a:pPr lvl="1"/>
             <a:r>
-              <a:rPr lang="ja-JP" altLang="en-US" smtClean="0"/>
+              <a:rPr lang="ja-JP" altLang="en-US"/>
               <a:t>第 </a:t>
             </a:r>
             <a:r>
-              <a:rPr lang="en-US" altLang="ja-JP" smtClean="0"/>
+              <a:rPr lang="en-US" altLang="ja-JP"/>
               <a:t>2 </a:t>
             </a:r>
             <a:r>
-              <a:rPr lang="ja-JP" altLang="en-US" smtClean="0"/>
+              <a:rPr lang="ja-JP" altLang="en-US"/>
               <a:t>レベル</a:t>
             </a:r>
           </a:p>
           <a:p>
             <a:pPr lvl="2"/>
             <a:r>
-              <a:rPr lang="ja-JP" altLang="en-US" smtClean="0"/>
+              <a:rPr lang="ja-JP" altLang="en-US"/>
               <a:t>第 </a:t>
             </a:r>
             <a:r>
-              <a:rPr lang="en-US" altLang="ja-JP" smtClean="0"/>
+              <a:rPr lang="en-US" altLang="ja-JP"/>
               <a:t>3 </a:t>
             </a:r>
             <a:r>
-              <a:rPr lang="ja-JP" altLang="en-US" smtClean="0"/>
+              <a:rPr lang="ja-JP" altLang="en-US"/>
               <a:t>レベル</a:t>
             </a:r>
           </a:p>
           <a:p>
             <a:pPr lvl="3"/>
             <a:r>
-              <a:rPr lang="ja-JP" altLang="en-US" smtClean="0"/>
+              <a:rPr lang="ja-JP" altLang="en-US"/>
               <a:t>第 </a:t>
             </a:r>
             <a:r>
-              <a:rPr lang="en-US" altLang="ja-JP" smtClean="0"/>
+              <a:rPr lang="en-US" altLang="ja-JP"/>
               <a:t>4 </a:t>
             </a:r>
             <a:r>
-              <a:rPr lang="ja-JP" altLang="en-US" smtClean="0"/>
+              <a:rPr lang="ja-JP" altLang="en-US"/>
               <a:t>レベル</a:t>
             </a:r>
           </a:p>
           <a:p>
             <a:pPr lvl="4"/>
             <a:r>
-              <a:rPr lang="ja-JP" altLang="en-US" smtClean="0"/>
+              <a:rPr lang="ja-JP" altLang="en-US"/>
               <a:t>第 </a:t>
             </a:r>
             <a:r>
-              <a:rPr lang="en-US" altLang="ja-JP" smtClean="0"/>
+              <a:rPr lang="en-US" altLang="ja-JP"/>
               <a:t>5 </a:t>
             </a:r>
             <a:r>
-              <a:rPr lang="ja-JP" altLang="en-US" smtClean="0"/>
+              <a:rPr lang="ja-JP" altLang="en-US"/>
               <a:t>レベル</a:t>
             </a:r>
             <a:endParaRPr lang="en-US" dirty="0"/>
@@ -660,7 +661,7 @@
           <a:p>
             <a:fld id="{07DD73A8-177D-4FF7-AF69-632B85FAD23A}" type="datetimeFigureOut">
               <a:rPr kumimoji="1" lang="ja-JP" altLang="en-US" smtClean="0"/>
-              <a:t>2013/6/10</a:t>
+              <a:t>2018/3/30</a:t>
             </a:fld>
             <a:endParaRPr kumimoji="1" lang="ja-JP" altLang="en-US"/>
           </a:p>
@@ -754,7 +755,7 @@
           <a:lstStyle/>
           <a:p>
             <a:r>
-              <a:rPr lang="ja-JP" altLang="en-US" smtClean="0"/>
+              <a:rPr lang="ja-JP" altLang="en-US"/>
               <a:t>マスター タイトルの書式設定</a:t>
             </a:r>
             <a:endParaRPr lang="en-US" dirty="0"/>
@@ -778,67 +779,67 @@
           <a:p>
             <a:pPr lvl="0"/>
             <a:r>
-              <a:rPr lang="ja-JP" altLang="en-US" smtClean="0"/>
+              <a:rPr lang="ja-JP" altLang="en-US"/>
               <a:t>マスター テキストの書式設定</a:t>
             </a:r>
           </a:p>
           <a:p>
             <a:pPr lvl="1"/>
             <a:r>
-              <a:rPr lang="ja-JP" altLang="en-US" smtClean="0"/>
+              <a:rPr lang="ja-JP" altLang="en-US"/>
               <a:t>第 </a:t>
             </a:r>
             <a:r>
-              <a:rPr lang="en-US" altLang="ja-JP" smtClean="0"/>
+              <a:rPr lang="en-US" altLang="ja-JP"/>
               <a:t>2 </a:t>
             </a:r>
             <a:r>
-              <a:rPr lang="ja-JP" altLang="en-US" smtClean="0"/>
+              <a:rPr lang="ja-JP" altLang="en-US"/>
               <a:t>レベル</a:t>
             </a:r>
           </a:p>
           <a:p>
             <a:pPr lvl="2"/>
             <a:r>
-              <a:rPr lang="ja-JP" altLang="en-US" smtClean="0"/>
+              <a:rPr lang="ja-JP" altLang="en-US"/>
               <a:t>第 </a:t>
             </a:r>
             <a:r>
-              <a:rPr lang="en-US" altLang="ja-JP" smtClean="0"/>
+              <a:rPr lang="en-US" altLang="ja-JP"/>
               <a:t>3 </a:t>
             </a:r>
             <a:r>
-              <a:rPr lang="ja-JP" altLang="en-US" smtClean="0"/>
+              <a:rPr lang="ja-JP" altLang="en-US"/>
               <a:t>レベル</a:t>
             </a:r>
           </a:p>
           <a:p>
             <a:pPr lvl="3"/>
             <a:r>
-              <a:rPr lang="ja-JP" altLang="en-US" smtClean="0"/>
+              <a:rPr lang="ja-JP" altLang="en-US"/>
               <a:t>第 </a:t>
             </a:r>
             <a:r>
-              <a:rPr lang="en-US" altLang="ja-JP" smtClean="0"/>
+              <a:rPr lang="en-US" altLang="ja-JP"/>
               <a:t>4 </a:t>
             </a:r>
             <a:r>
-              <a:rPr lang="ja-JP" altLang="en-US" smtClean="0"/>
+              <a:rPr lang="ja-JP" altLang="en-US"/>
               <a:t>レベル</a:t>
             </a:r>
           </a:p>
           <a:p>
             <a:pPr lvl="4"/>
             <a:r>
-              <a:rPr lang="ja-JP" altLang="en-US" smtClean="0"/>
+              <a:rPr lang="ja-JP" altLang="en-US"/>
               <a:t>第 </a:t>
             </a:r>
             <a:r>
-              <a:rPr lang="en-US" altLang="ja-JP" smtClean="0"/>
+              <a:rPr lang="en-US" altLang="ja-JP"/>
               <a:t>5 </a:t>
             </a:r>
             <a:r>
-              <a:rPr lang="ja-JP" altLang="en-US" smtClean="0"/>
+              <a:rPr lang="ja-JP" altLang="en-US"/>
               <a:t>レベル</a:t>
             </a:r>
             <a:endParaRPr lang="en-US" dirty="0"/>
@@ -862,7 +863,7 @@
           <a:p>
             <a:fld id="{07DD73A8-177D-4FF7-AF69-632B85FAD23A}" type="datetimeFigureOut">
               <a:rPr kumimoji="1" lang="ja-JP" altLang="en-US" smtClean="0"/>
-              <a:t>2013/6/10</a:t>
+              <a:t>2018/3/30</a:t>
             </a:fld>
             <a:endParaRPr kumimoji="1" lang="ja-JP" altLang="en-US"/>
           </a:p>
@@ -965,7 +966,7 @@
           </a:lstStyle>
           <a:p>
             <a:r>
-              <a:rPr lang="ja-JP" altLang="en-US" smtClean="0"/>
+              <a:rPr lang="ja-JP" altLang="en-US"/>
               <a:t>マスター タイトルの書式設定</a:t>
             </a:r>
             <a:endParaRPr lang="en-US" dirty="0"/>
@@ -1083,7 +1084,7 @@
           <a:p>
             <a:pPr lvl="0"/>
             <a:r>
-              <a:rPr lang="ja-JP" altLang="en-US" smtClean="0"/>
+              <a:rPr lang="ja-JP" altLang="en-US"/>
               <a:t>マスター テキストの書式設定</a:t>
             </a:r>
           </a:p>
@@ -1106,7 +1107,7 @@
           <a:p>
             <a:fld id="{07DD73A8-177D-4FF7-AF69-632B85FAD23A}" type="datetimeFigureOut">
               <a:rPr kumimoji="1" lang="ja-JP" altLang="en-US" smtClean="0"/>
-              <a:t>2013/6/10</a:t>
+              <a:t>2018/3/30</a:t>
             </a:fld>
             <a:endParaRPr kumimoji="1" lang="ja-JP" altLang="en-US"/>
           </a:p>
@@ -1200,7 +1201,7 @@
           <a:lstStyle/>
           <a:p>
             <a:r>
-              <a:rPr lang="ja-JP" altLang="en-US" smtClean="0"/>
+              <a:rPr lang="ja-JP" altLang="en-US"/>
               <a:t>マスター タイトルの書式設定</a:t>
             </a:r>
             <a:endParaRPr lang="en-US" dirty="0"/>
@@ -1229,67 +1230,67 @@
           <a:p>
             <a:pPr lvl="0"/>
             <a:r>
-              <a:rPr lang="ja-JP" altLang="en-US" smtClean="0"/>
+              <a:rPr lang="ja-JP" altLang="en-US"/>
               <a:t>マスター テキストの書式設定</a:t>
             </a:r>
           </a:p>
           <a:p>
             <a:pPr lvl="1"/>
             <a:r>
-              <a:rPr lang="ja-JP" altLang="en-US" smtClean="0"/>
+              <a:rPr lang="ja-JP" altLang="en-US"/>
               <a:t>第 </a:t>
             </a:r>
             <a:r>
-              <a:rPr lang="en-US" altLang="ja-JP" smtClean="0"/>
+              <a:rPr lang="en-US" altLang="ja-JP"/>
               <a:t>2 </a:t>
             </a:r>
             <a:r>
-              <a:rPr lang="ja-JP" altLang="en-US" smtClean="0"/>
+              <a:rPr lang="ja-JP" altLang="en-US"/>
               <a:t>レベル</a:t>
             </a:r>
           </a:p>
           <a:p>
             <a:pPr lvl="2"/>
             <a:r>
-              <a:rPr lang="ja-JP" altLang="en-US" smtClean="0"/>
+              <a:rPr lang="ja-JP" altLang="en-US"/>
               <a:t>第 </a:t>
             </a:r>
             <a:r>
-              <a:rPr lang="en-US" altLang="ja-JP" smtClean="0"/>
+              <a:rPr lang="en-US" altLang="ja-JP"/>
               <a:t>3 </a:t>
             </a:r>
             <a:r>
-              <a:rPr lang="ja-JP" altLang="en-US" smtClean="0"/>
+              <a:rPr lang="ja-JP" altLang="en-US"/>
               <a:t>レベル</a:t>
             </a:r>
           </a:p>
           <a:p>
             <a:pPr lvl="3"/>
             <a:r>
-              <a:rPr lang="ja-JP" altLang="en-US" smtClean="0"/>
+              <a:rPr lang="ja-JP" altLang="en-US"/>
               <a:t>第 </a:t>
             </a:r>
             <a:r>
-              <a:rPr lang="en-US" altLang="ja-JP" smtClean="0"/>
+              <a:rPr lang="en-US" altLang="ja-JP"/>
               <a:t>4 </a:t>
             </a:r>
             <a:r>
-              <a:rPr lang="ja-JP" altLang="en-US" smtClean="0"/>
+              <a:rPr lang="ja-JP" altLang="en-US"/>
               <a:t>レベル</a:t>
             </a:r>
           </a:p>
           <a:p>
             <a:pPr lvl="4"/>
             <a:r>
-              <a:rPr lang="ja-JP" altLang="en-US" smtClean="0"/>
+              <a:rPr lang="ja-JP" altLang="en-US"/>
               <a:t>第 </a:t>
             </a:r>
             <a:r>
-              <a:rPr lang="en-US" altLang="ja-JP" smtClean="0"/>
+              <a:rPr lang="en-US" altLang="ja-JP"/>
               <a:t>5 </a:t>
             </a:r>
             <a:r>
-              <a:rPr lang="ja-JP" altLang="en-US" smtClean="0"/>
+              <a:rPr lang="ja-JP" altLang="en-US"/>
               <a:t>レベル</a:t>
             </a:r>
             <a:endParaRPr lang="en-US" dirty="0"/>
@@ -1318,67 +1319,67 @@
           <a:p>
             <a:pPr lvl="0"/>
             <a:r>
-              <a:rPr lang="ja-JP" altLang="en-US" smtClean="0"/>
+              <a:rPr lang="ja-JP" altLang="en-US"/>
               <a:t>マスター テキストの書式設定</a:t>
             </a:r>
           </a:p>
           <a:p>
             <a:pPr lvl="1"/>
             <a:r>
-              <a:rPr lang="ja-JP" altLang="en-US" smtClean="0"/>
+              <a:rPr lang="ja-JP" altLang="en-US"/>
               <a:t>第 </a:t>
             </a:r>
             <a:r>
-              <a:rPr lang="en-US" altLang="ja-JP" smtClean="0"/>
+              <a:rPr lang="en-US" altLang="ja-JP"/>
               <a:t>2 </a:t>
             </a:r>
             <a:r>
-              <a:rPr lang="ja-JP" altLang="en-US" smtClean="0"/>
+              <a:rPr lang="ja-JP" altLang="en-US"/>
               <a:t>レベル</a:t>
             </a:r>
           </a:p>
           <a:p>
             <a:pPr lvl="2"/>
             <a:r>
-              <a:rPr lang="ja-JP" altLang="en-US" smtClean="0"/>
+              <a:rPr lang="ja-JP" altLang="en-US"/>
               <a:t>第 </a:t>
             </a:r>
             <a:r>
-              <a:rPr lang="en-US" altLang="ja-JP" smtClean="0"/>
+              <a:rPr lang="en-US" altLang="ja-JP"/>
               <a:t>3 </a:t>
             </a:r>
             <a:r>
-              <a:rPr lang="ja-JP" altLang="en-US" smtClean="0"/>
+              <a:rPr lang="ja-JP" altLang="en-US"/>
               <a:t>レベル</a:t>
             </a:r>
           </a:p>
           <a:p>
             <a:pPr lvl="3"/>
             <a:r>
-              <a:rPr lang="ja-JP" altLang="en-US" smtClean="0"/>
+              <a:rPr lang="ja-JP" altLang="en-US"/>
               <a:t>第 </a:t>
             </a:r>
             <a:r>
-              <a:rPr lang="en-US" altLang="ja-JP" smtClean="0"/>
+              <a:rPr lang="en-US" altLang="ja-JP"/>
               <a:t>4 </a:t>
             </a:r>
             <a:r>
-              <a:rPr lang="ja-JP" altLang="en-US" smtClean="0"/>
+              <a:rPr lang="ja-JP" altLang="en-US"/>
               <a:t>レベル</a:t>
             </a:r>
           </a:p>
           <a:p>
             <a:pPr lvl="4"/>
             <a:r>
-              <a:rPr lang="ja-JP" altLang="en-US" smtClean="0"/>
+              <a:rPr lang="ja-JP" altLang="en-US"/>
               <a:t>第 </a:t>
             </a:r>
             <a:r>
-              <a:rPr lang="en-US" altLang="ja-JP" smtClean="0"/>
+              <a:rPr lang="en-US" altLang="ja-JP"/>
               <a:t>5 </a:t>
             </a:r>
             <a:r>
-              <a:rPr lang="ja-JP" altLang="en-US" smtClean="0"/>
+              <a:rPr lang="ja-JP" altLang="en-US"/>
               <a:t>レベル</a:t>
             </a:r>
             <a:endParaRPr lang="en-US" dirty="0"/>
@@ -1402,7 +1403,7 @@
           <a:p>
             <a:fld id="{07DD73A8-177D-4FF7-AF69-632B85FAD23A}" type="datetimeFigureOut">
               <a:rPr kumimoji="1" lang="ja-JP" altLang="en-US" smtClean="0"/>
-              <a:t>2013/6/10</a:t>
+              <a:t>2018/3/30</a:t>
             </a:fld>
             <a:endParaRPr kumimoji="1" lang="ja-JP" altLang="en-US"/>
           </a:p>
@@ -1501,7 +1502,7 @@
           <a:lstStyle/>
           <a:p>
             <a:r>
-              <a:rPr lang="ja-JP" altLang="en-US" smtClean="0"/>
+              <a:rPr lang="ja-JP" altLang="en-US"/>
               <a:t>マスター タイトルの書式設定</a:t>
             </a:r>
             <a:endParaRPr lang="en-US" dirty="0"/>
@@ -1567,7 +1568,7 @@
           <a:p>
             <a:pPr lvl="0"/>
             <a:r>
-              <a:rPr lang="ja-JP" altLang="en-US" smtClean="0"/>
+              <a:rPr lang="ja-JP" altLang="en-US"/>
               <a:t>マスター テキストの書式設定</a:t>
             </a:r>
           </a:p>
@@ -1595,67 +1596,67 @@
           <a:p>
             <a:pPr lvl="0"/>
             <a:r>
-              <a:rPr lang="ja-JP" altLang="en-US" smtClean="0"/>
+              <a:rPr lang="ja-JP" altLang="en-US"/>
               <a:t>マスター テキストの書式設定</a:t>
             </a:r>
           </a:p>
           <a:p>
             <a:pPr lvl="1"/>
             <a:r>
-              <a:rPr lang="ja-JP" altLang="en-US" smtClean="0"/>
+              <a:rPr lang="ja-JP" altLang="en-US"/>
               <a:t>第 </a:t>
             </a:r>
             <a:r>
-              <a:rPr lang="en-US" altLang="ja-JP" smtClean="0"/>
+              <a:rPr lang="en-US" altLang="ja-JP"/>
               <a:t>2 </a:t>
             </a:r>
             <a:r>
-              <a:rPr lang="ja-JP" altLang="en-US" smtClean="0"/>
+              <a:rPr lang="ja-JP" altLang="en-US"/>
               <a:t>レベル</a:t>
             </a:r>
           </a:p>
           <a:p>
             <a:pPr lvl="2"/>
             <a:r>
-              <a:rPr lang="ja-JP" altLang="en-US" smtClean="0"/>
+              <a:rPr lang="ja-JP" altLang="en-US"/>
               <a:t>第 </a:t>
             </a:r>
             <a:r>
-              <a:rPr lang="en-US" altLang="ja-JP" smtClean="0"/>
+              <a:rPr lang="en-US" altLang="ja-JP"/>
               <a:t>3 </a:t>
             </a:r>
             <a:r>
-              <a:rPr lang="ja-JP" altLang="en-US" smtClean="0"/>
+              <a:rPr lang="ja-JP" altLang="en-US"/>
               <a:t>レベル</a:t>
             </a:r>
           </a:p>
           <a:p>
             <a:pPr lvl="3"/>
             <a:r>
-              <a:rPr lang="ja-JP" altLang="en-US" smtClean="0"/>
+              <a:rPr lang="ja-JP" altLang="en-US"/>
               <a:t>第 </a:t>
             </a:r>
             <a:r>
-              <a:rPr lang="en-US" altLang="ja-JP" smtClean="0"/>
+              <a:rPr lang="en-US" altLang="ja-JP"/>
               <a:t>4 </a:t>
             </a:r>
             <a:r>
-              <a:rPr lang="ja-JP" altLang="en-US" smtClean="0"/>
+              <a:rPr lang="ja-JP" altLang="en-US"/>
               <a:t>レベル</a:t>
             </a:r>
           </a:p>
           <a:p>
             <a:pPr lvl="4"/>
             <a:r>
-              <a:rPr lang="ja-JP" altLang="en-US" smtClean="0"/>
+              <a:rPr lang="ja-JP" altLang="en-US"/>
               <a:t>第 </a:t>
             </a:r>
             <a:r>
-              <a:rPr lang="en-US" altLang="ja-JP" smtClean="0"/>
+              <a:rPr lang="en-US" altLang="ja-JP"/>
               <a:t>5 </a:t>
             </a:r>
             <a:r>
-              <a:rPr lang="ja-JP" altLang="en-US" smtClean="0"/>
+              <a:rPr lang="ja-JP" altLang="en-US"/>
               <a:t>レベル</a:t>
             </a:r>
             <a:endParaRPr lang="en-US" dirty="0"/>
@@ -1721,7 +1722,7 @@
           <a:p>
             <a:pPr lvl="0"/>
             <a:r>
-              <a:rPr lang="ja-JP" altLang="en-US" smtClean="0"/>
+              <a:rPr lang="ja-JP" altLang="en-US"/>
               <a:t>マスター テキストの書式設定</a:t>
             </a:r>
           </a:p>
@@ -1749,67 +1750,67 @@
           <a:p>
             <a:pPr lvl="0"/>
             <a:r>
-              <a:rPr lang="ja-JP" altLang="en-US" smtClean="0"/>
+              <a:rPr lang="ja-JP" altLang="en-US"/>
               <a:t>マスター テキストの書式設定</a:t>
             </a:r>
           </a:p>
           <a:p>
             <a:pPr lvl="1"/>
             <a:r>
-              <a:rPr lang="ja-JP" altLang="en-US" smtClean="0"/>
+              <a:rPr lang="ja-JP" altLang="en-US"/>
               <a:t>第 </a:t>
             </a:r>
             <a:r>
-              <a:rPr lang="en-US" altLang="ja-JP" smtClean="0"/>
+              <a:rPr lang="en-US" altLang="ja-JP"/>
               <a:t>2 </a:t>
             </a:r>
             <a:r>
-              <a:rPr lang="ja-JP" altLang="en-US" smtClean="0"/>
+              <a:rPr lang="ja-JP" altLang="en-US"/>
               <a:t>レベル</a:t>
             </a:r>
           </a:p>
           <a:p>
             <a:pPr lvl="2"/>
             <a:r>
-              <a:rPr lang="ja-JP" altLang="en-US" smtClean="0"/>
+              <a:rPr lang="ja-JP" altLang="en-US"/>
               <a:t>第 </a:t>
             </a:r>
             <a:r>
-              <a:rPr lang="en-US" altLang="ja-JP" smtClean="0"/>
+              <a:rPr lang="en-US" altLang="ja-JP"/>
               <a:t>3 </a:t>
             </a:r>
             <a:r>
-              <a:rPr lang="ja-JP" altLang="en-US" smtClean="0"/>
+              <a:rPr lang="ja-JP" altLang="en-US"/>
               <a:t>レベル</a:t>
             </a:r>
           </a:p>
           <a:p>
             <a:pPr lvl="3"/>
             <a:r>
-              <a:rPr lang="ja-JP" altLang="en-US" smtClean="0"/>
+              <a:rPr lang="ja-JP" altLang="en-US"/>
               <a:t>第 </a:t>
             </a:r>
             <a:r>
-              <a:rPr lang="en-US" altLang="ja-JP" smtClean="0"/>
+              <a:rPr lang="en-US" altLang="ja-JP"/>
               <a:t>4 </a:t>
             </a:r>
             <a:r>
-              <a:rPr lang="ja-JP" altLang="en-US" smtClean="0"/>
+              <a:rPr lang="ja-JP" altLang="en-US"/>
               <a:t>レベル</a:t>
             </a:r>
           </a:p>
           <a:p>
             <a:pPr lvl="4"/>
             <a:r>
-              <a:rPr lang="ja-JP" altLang="en-US" smtClean="0"/>
+              <a:rPr lang="ja-JP" altLang="en-US"/>
               <a:t>第 </a:t>
             </a:r>
             <a:r>
-              <a:rPr lang="en-US" altLang="ja-JP" smtClean="0"/>
+              <a:rPr lang="en-US" altLang="ja-JP"/>
               <a:t>5 </a:t>
             </a:r>
             <a:r>
-              <a:rPr lang="ja-JP" altLang="en-US" smtClean="0"/>
+              <a:rPr lang="ja-JP" altLang="en-US"/>
               <a:t>レベル</a:t>
             </a:r>
             <a:endParaRPr lang="en-US" dirty="0"/>
@@ -1833,7 +1834,7 @@
           <a:p>
             <a:fld id="{07DD73A8-177D-4FF7-AF69-632B85FAD23A}" type="datetimeFigureOut">
               <a:rPr kumimoji="1" lang="ja-JP" altLang="en-US" smtClean="0"/>
-              <a:t>2013/6/10</a:t>
+              <a:t>2018/3/30</a:t>
             </a:fld>
             <a:endParaRPr kumimoji="1" lang="ja-JP" altLang="en-US"/>
           </a:p>
@@ -1927,7 +1928,7 @@
           <a:lstStyle/>
           <a:p>
             <a:r>
-              <a:rPr lang="ja-JP" altLang="en-US" smtClean="0"/>
+              <a:rPr lang="ja-JP" altLang="en-US"/>
               <a:t>マスター タイトルの書式設定</a:t>
             </a:r>
             <a:endParaRPr lang="en-US" dirty="0"/>
@@ -1951,7 +1952,7 @@
           <a:p>
             <a:fld id="{07DD73A8-177D-4FF7-AF69-632B85FAD23A}" type="datetimeFigureOut">
               <a:rPr kumimoji="1" lang="ja-JP" altLang="en-US" smtClean="0"/>
-              <a:t>2013/6/10</a:t>
+              <a:t>2018/3/30</a:t>
             </a:fld>
             <a:endParaRPr kumimoji="1" lang="ja-JP" altLang="en-US"/>
           </a:p>
@@ -2046,7 +2047,7 @@
           <a:p>
             <a:fld id="{07DD73A8-177D-4FF7-AF69-632B85FAD23A}" type="datetimeFigureOut">
               <a:rPr kumimoji="1" lang="ja-JP" altLang="en-US" smtClean="0"/>
-              <a:t>2013/6/10</a:t>
+              <a:t>2018/3/30</a:t>
             </a:fld>
             <a:endParaRPr kumimoji="1" lang="ja-JP" altLang="en-US"/>
           </a:p>
@@ -2149,7 +2150,7 @@
           </a:lstStyle>
           <a:p>
             <a:r>
-              <a:rPr lang="ja-JP" altLang="en-US" smtClean="0"/>
+              <a:rPr lang="ja-JP" altLang="en-US"/>
               <a:t>マスター タイトルの書式設定</a:t>
             </a:r>
             <a:endParaRPr lang="en-US" dirty="0"/>
@@ -2206,67 +2207,67 @@
           <a:p>
             <a:pPr lvl="0"/>
             <a:r>
-              <a:rPr lang="ja-JP" altLang="en-US" smtClean="0"/>
+              <a:rPr lang="ja-JP" altLang="en-US"/>
               <a:t>マスター テキストの書式設定</a:t>
             </a:r>
           </a:p>
           <a:p>
             <a:pPr lvl="1"/>
             <a:r>
-              <a:rPr lang="ja-JP" altLang="en-US" smtClean="0"/>
+              <a:rPr lang="ja-JP" altLang="en-US"/>
               <a:t>第 </a:t>
             </a:r>
             <a:r>
-              <a:rPr lang="en-US" altLang="ja-JP" smtClean="0"/>
+              <a:rPr lang="en-US" altLang="ja-JP"/>
               <a:t>2 </a:t>
             </a:r>
             <a:r>
-              <a:rPr lang="ja-JP" altLang="en-US" smtClean="0"/>
+              <a:rPr lang="ja-JP" altLang="en-US"/>
               <a:t>レベル</a:t>
             </a:r>
           </a:p>
           <a:p>
             <a:pPr lvl="2"/>
             <a:r>
-              <a:rPr lang="ja-JP" altLang="en-US" smtClean="0"/>
+              <a:rPr lang="ja-JP" altLang="en-US"/>
               <a:t>第 </a:t>
             </a:r>
             <a:r>
-              <a:rPr lang="en-US" altLang="ja-JP" smtClean="0"/>
+              <a:rPr lang="en-US" altLang="ja-JP"/>
               <a:t>3 </a:t>
             </a:r>
             <a:r>
-              <a:rPr lang="ja-JP" altLang="en-US" smtClean="0"/>
+              <a:rPr lang="ja-JP" altLang="en-US"/>
               <a:t>レベル</a:t>
             </a:r>
           </a:p>
           <a:p>
             <a:pPr lvl="3"/>
             <a:r>
-              <a:rPr lang="ja-JP" altLang="en-US" smtClean="0"/>
+              <a:rPr lang="ja-JP" altLang="en-US"/>
               <a:t>第 </a:t>
             </a:r>
             <a:r>
-              <a:rPr lang="en-US" altLang="ja-JP" smtClean="0"/>
+              <a:rPr lang="en-US" altLang="ja-JP"/>
               <a:t>4 </a:t>
             </a:r>
             <a:r>
-              <a:rPr lang="ja-JP" altLang="en-US" smtClean="0"/>
+              <a:rPr lang="ja-JP" altLang="en-US"/>
               <a:t>レベル</a:t>
             </a:r>
           </a:p>
           <a:p>
             <a:pPr lvl="4"/>
             <a:r>
-              <a:rPr lang="ja-JP" altLang="en-US" smtClean="0"/>
+              <a:rPr lang="ja-JP" altLang="en-US"/>
               <a:t>第 </a:t>
             </a:r>
             <a:r>
-              <a:rPr lang="en-US" altLang="ja-JP" smtClean="0"/>
+              <a:rPr lang="en-US" altLang="ja-JP"/>
               <a:t>5 </a:t>
             </a:r>
             <a:r>
-              <a:rPr lang="ja-JP" altLang="en-US" smtClean="0"/>
+              <a:rPr lang="ja-JP" altLang="en-US"/>
               <a:t>レベル</a:t>
             </a:r>
             <a:endParaRPr lang="en-US" dirty="0"/>
@@ -2332,7 +2333,7 @@
           <a:p>
             <a:pPr lvl="0"/>
             <a:r>
-              <a:rPr lang="ja-JP" altLang="en-US" smtClean="0"/>
+              <a:rPr lang="ja-JP" altLang="en-US"/>
               <a:t>マスター テキストの書式設定</a:t>
             </a:r>
           </a:p>
@@ -2355,7 +2356,7 @@
           <a:p>
             <a:fld id="{07DD73A8-177D-4FF7-AF69-632B85FAD23A}" type="datetimeFigureOut">
               <a:rPr kumimoji="1" lang="ja-JP" altLang="en-US" smtClean="0"/>
-              <a:t>2013/6/10</a:t>
+              <a:t>2018/3/30</a:t>
             </a:fld>
             <a:endParaRPr kumimoji="1" lang="ja-JP" altLang="en-US"/>
           </a:p>
@@ -2458,7 +2459,7 @@
           </a:lstStyle>
           <a:p>
             <a:r>
-              <a:rPr lang="ja-JP" altLang="en-US" smtClean="0"/>
+              <a:rPr lang="ja-JP" altLang="en-US"/>
               <a:t>マスター タイトルの書式設定</a:t>
             </a:r>
             <a:endParaRPr lang="en-US" dirty="0"/>
@@ -2523,7 +2524,7 @@
           </a:lstStyle>
           <a:p>
             <a:r>
-              <a:rPr lang="ja-JP" altLang="en-US" smtClean="0"/>
+              <a:rPr lang="ja-JP" altLang="en-US"/>
               <a:t>図を追加</a:t>
             </a:r>
             <a:endParaRPr lang="en-US" dirty="0"/>
@@ -2589,7 +2590,7 @@
           <a:p>
             <a:pPr lvl="0"/>
             <a:r>
-              <a:rPr lang="ja-JP" altLang="en-US" smtClean="0"/>
+              <a:rPr lang="ja-JP" altLang="en-US"/>
               <a:t>マスター テキストの書式設定</a:t>
             </a:r>
           </a:p>
@@ -2612,7 +2613,7 @@
           <a:p>
             <a:fld id="{07DD73A8-177D-4FF7-AF69-632B85FAD23A}" type="datetimeFigureOut">
               <a:rPr kumimoji="1" lang="ja-JP" altLang="en-US" smtClean="0"/>
-              <a:t>2013/6/10</a:t>
+              <a:t>2018/3/30</a:t>
             </a:fld>
             <a:endParaRPr kumimoji="1" lang="ja-JP" altLang="en-US"/>
           </a:p>
@@ -2721,7 +2722,7 @@
           <a:lstStyle/>
           <a:p>
             <a:r>
-              <a:rPr lang="ja-JP" altLang="en-US" smtClean="0"/>
+              <a:rPr lang="ja-JP" altLang="en-US"/>
               <a:t>マスター タイトルの書式設定</a:t>
             </a:r>
             <a:endParaRPr lang="en-US" dirty="0"/>
@@ -2755,67 +2756,67 @@
           <a:p>
             <a:pPr lvl="0"/>
             <a:r>
-              <a:rPr lang="ja-JP" altLang="en-US" smtClean="0"/>
+              <a:rPr lang="ja-JP" altLang="en-US"/>
               <a:t>マスター テキストの書式設定</a:t>
             </a:r>
           </a:p>
           <a:p>
             <a:pPr lvl="1"/>
             <a:r>
-              <a:rPr lang="ja-JP" altLang="en-US" smtClean="0"/>
+              <a:rPr lang="ja-JP" altLang="en-US"/>
               <a:t>第 </a:t>
             </a:r>
             <a:r>
-              <a:rPr lang="en-US" altLang="ja-JP" smtClean="0"/>
+              <a:rPr lang="en-US" altLang="ja-JP"/>
               <a:t>2 </a:t>
             </a:r>
             <a:r>
-              <a:rPr lang="ja-JP" altLang="en-US" smtClean="0"/>
+              <a:rPr lang="ja-JP" altLang="en-US"/>
               <a:t>レベル</a:t>
             </a:r>
           </a:p>
           <a:p>
             <a:pPr lvl="2"/>
             <a:r>
-              <a:rPr lang="ja-JP" altLang="en-US" smtClean="0"/>
+              <a:rPr lang="ja-JP" altLang="en-US"/>
               <a:t>第 </a:t>
             </a:r>
             <a:r>
-              <a:rPr lang="en-US" altLang="ja-JP" smtClean="0"/>
+              <a:rPr lang="en-US" altLang="ja-JP"/>
               <a:t>3 </a:t>
             </a:r>
             <a:r>
-              <a:rPr lang="ja-JP" altLang="en-US" smtClean="0"/>
+              <a:rPr lang="ja-JP" altLang="en-US"/>
               <a:t>レベル</a:t>
             </a:r>
           </a:p>
           <a:p>
             <a:pPr lvl="3"/>
             <a:r>
-              <a:rPr lang="ja-JP" altLang="en-US" smtClean="0"/>
+              <a:rPr lang="ja-JP" altLang="en-US"/>
               <a:t>第 </a:t>
             </a:r>
             <a:r>
-              <a:rPr lang="en-US" altLang="ja-JP" smtClean="0"/>
+              <a:rPr lang="en-US" altLang="ja-JP"/>
               <a:t>4 </a:t>
             </a:r>
             <a:r>
-              <a:rPr lang="ja-JP" altLang="en-US" smtClean="0"/>
+              <a:rPr lang="ja-JP" altLang="en-US"/>
               <a:t>レベル</a:t>
             </a:r>
           </a:p>
           <a:p>
             <a:pPr lvl="4"/>
             <a:r>
-              <a:rPr lang="ja-JP" altLang="en-US" smtClean="0"/>
+              <a:rPr lang="ja-JP" altLang="en-US"/>
               <a:t>第 </a:t>
             </a:r>
             <a:r>
-              <a:rPr lang="en-US" altLang="ja-JP" smtClean="0"/>
+              <a:rPr lang="en-US" altLang="ja-JP"/>
               <a:t>5 </a:t>
             </a:r>
             <a:r>
-              <a:rPr lang="ja-JP" altLang="en-US" smtClean="0"/>
+              <a:rPr lang="ja-JP" altLang="en-US"/>
               <a:t>レベル</a:t>
             </a:r>
             <a:endParaRPr lang="en-US" dirty="0"/>
@@ -2857,7 +2858,7 @@
           <a:p>
             <a:fld id="{07DD73A8-177D-4FF7-AF69-632B85FAD23A}" type="datetimeFigureOut">
               <a:rPr kumimoji="1" lang="ja-JP" altLang="en-US" smtClean="0"/>
-              <a:t>2013/6/10</a:t>
+              <a:t>2018/3/30</a:t>
             </a:fld>
             <a:endParaRPr kumimoji="1" lang="ja-JP" altLang="en-US"/>
           </a:p>
@@ -3262,34 +3263,1112 @@
           <a:chExt cx="0" cy="0"/>
         </a:xfrm>
       </p:grpSpPr>
-      <p:pic>
-        <p:nvPicPr>
-          <p:cNvPr id="2" name="図 1"/>
-          <p:cNvPicPr>
-            <a:picLocks noChangeAspect="1"/>
-          </p:cNvPicPr>
+      <p:cxnSp>
+        <p:nvCxnSpPr>
+          <p:cNvPr id="3" name="直線コネクタ 2">
+            <a:extLst>
+              <a:ext uri="{FF2B5EF4-FFF2-40B4-BE49-F238E27FC236}">
+                <a16:creationId xmlns:a16="http://schemas.microsoft.com/office/drawing/2014/main" id="{FD00448C-5501-4C6B-A401-600B1BE0FEF3}"/>
+              </a:ext>
+            </a:extLst>
+          </p:cNvPr>
+          <p:cNvCxnSpPr>
+            <a:cxnSpLocks/>
+          </p:cNvCxnSpPr>
           <p:nvPr/>
-        </p:nvPicPr>
-        <p:blipFill>
-          <a:blip r:embed="rId2"/>
-          <a:stretch>
-            <a:fillRect/>
-          </a:stretch>
-        </p:blipFill>
-        <p:spPr>
-          <a:xfrm>
-            <a:off x="1466850" y="1247775"/>
-            <a:ext cx="6210300" cy="4362450"/>
+        </p:nvCxnSpPr>
+        <p:spPr>
+          <a:xfrm>
+            <a:off x="1778466" y="2860646"/>
+            <a:ext cx="4152551" cy="0"/>
+          </a:xfrm>
+          <a:prstGeom prst="line">
+            <a:avLst/>
+          </a:prstGeom>
+        </p:spPr>
+        <p:style>
+          <a:lnRef idx="1">
+            <a:schemeClr val="accent1"/>
+          </a:lnRef>
+          <a:fillRef idx="0">
+            <a:schemeClr val="accent1"/>
+          </a:fillRef>
+          <a:effectRef idx="0">
+            <a:schemeClr val="accent1"/>
+          </a:effectRef>
+          <a:fontRef idx="minor">
+            <a:schemeClr val="tx1"/>
+          </a:fontRef>
+        </p:style>
+      </p:cxnSp>
+      <p:sp>
+        <p:nvSpPr>
+          <p:cNvPr id="4" name="テキスト ボックス 3">
+            <a:extLst>
+              <a:ext uri="{FF2B5EF4-FFF2-40B4-BE49-F238E27FC236}">
+                <a16:creationId xmlns:a16="http://schemas.microsoft.com/office/drawing/2014/main" id="{B25FBA0E-4990-4903-8B69-29BA86E48724}"/>
+              </a:ext>
+            </a:extLst>
+          </p:cNvPr>
+          <p:cNvSpPr txBox="1"/>
+          <p:nvPr/>
+        </p:nvSpPr>
+        <p:spPr>
+          <a:xfrm>
+            <a:off x="704675" y="2675980"/>
+            <a:ext cx="906017" cy="369332"/>
           </a:xfrm>
           <a:prstGeom prst="rect">
             <a:avLst/>
           </a:prstGeom>
-        </p:spPr>
-      </p:pic>
+          <a:noFill/>
+        </p:spPr>
+        <p:txBody>
+          <a:bodyPr wrap="none" rtlCol="0">
+            <a:spAutoFit/>
+          </a:bodyPr>
+          <a:lstStyle/>
+          <a:p>
+            <a:r>
+              <a:rPr kumimoji="1" lang="ja-JP" altLang="en-US" dirty="0"/>
+              <a:t>トランク</a:t>
+            </a:r>
+          </a:p>
+        </p:txBody>
+      </p:sp>
+      <p:sp>
+        <p:nvSpPr>
+          <p:cNvPr id="5" name="楕円 4">
+            <a:extLst>
+              <a:ext uri="{FF2B5EF4-FFF2-40B4-BE49-F238E27FC236}">
+                <a16:creationId xmlns:a16="http://schemas.microsoft.com/office/drawing/2014/main" id="{27EDFB32-3C8B-438B-96FD-16D08AD5E641}"/>
+              </a:ext>
+            </a:extLst>
+          </p:cNvPr>
+          <p:cNvSpPr/>
+          <p:nvPr/>
+        </p:nvSpPr>
+        <p:spPr>
+          <a:xfrm>
+            <a:off x="2072081" y="2692866"/>
+            <a:ext cx="352315" cy="352315"/>
+          </a:xfrm>
+          <a:prstGeom prst="ellipse">
+            <a:avLst/>
+          </a:prstGeom>
+        </p:spPr>
+        <p:style>
+          <a:lnRef idx="2">
+            <a:schemeClr val="accent1">
+              <a:shade val="50000"/>
+            </a:schemeClr>
+          </a:lnRef>
+          <a:fillRef idx="1">
+            <a:schemeClr val="accent1"/>
+          </a:fillRef>
+          <a:effectRef idx="0">
+            <a:schemeClr val="accent1"/>
+          </a:effectRef>
+          <a:fontRef idx="minor">
+            <a:schemeClr val="lt1"/>
+          </a:fontRef>
+        </p:style>
+        <p:txBody>
+          <a:bodyPr rtlCol="0" anchor="ctr"/>
+          <a:lstStyle/>
+          <a:p>
+            <a:pPr algn="ctr"/>
+            <a:endParaRPr kumimoji="1" lang="ja-JP" altLang="en-US"/>
+          </a:p>
+        </p:txBody>
+      </p:sp>
+      <p:sp>
+        <p:nvSpPr>
+          <p:cNvPr id="6" name="楕円 5">
+            <a:extLst>
+              <a:ext uri="{FF2B5EF4-FFF2-40B4-BE49-F238E27FC236}">
+                <a16:creationId xmlns:a16="http://schemas.microsoft.com/office/drawing/2014/main" id="{A978A2B4-02F6-4C9A-BA5F-DE0B90A9A49B}"/>
+              </a:ext>
+            </a:extLst>
+          </p:cNvPr>
+          <p:cNvSpPr/>
+          <p:nvPr/>
+        </p:nvSpPr>
+        <p:spPr>
+          <a:xfrm>
+            <a:off x="2592170" y="2692866"/>
+            <a:ext cx="352315" cy="352315"/>
+          </a:xfrm>
+          <a:prstGeom prst="ellipse">
+            <a:avLst/>
+          </a:prstGeom>
+        </p:spPr>
+        <p:style>
+          <a:lnRef idx="2">
+            <a:schemeClr val="accent1">
+              <a:shade val="50000"/>
+            </a:schemeClr>
+          </a:lnRef>
+          <a:fillRef idx="1">
+            <a:schemeClr val="accent1"/>
+          </a:fillRef>
+          <a:effectRef idx="0">
+            <a:schemeClr val="accent1"/>
+          </a:effectRef>
+          <a:fontRef idx="minor">
+            <a:schemeClr val="lt1"/>
+          </a:fontRef>
+        </p:style>
+        <p:txBody>
+          <a:bodyPr rtlCol="0" anchor="ctr"/>
+          <a:lstStyle/>
+          <a:p>
+            <a:pPr algn="ctr"/>
+            <a:endParaRPr kumimoji="1" lang="ja-JP" altLang="en-US"/>
+          </a:p>
+        </p:txBody>
+      </p:sp>
+      <p:sp>
+        <p:nvSpPr>
+          <p:cNvPr id="7" name="楕円 6">
+            <a:extLst>
+              <a:ext uri="{FF2B5EF4-FFF2-40B4-BE49-F238E27FC236}">
+                <a16:creationId xmlns:a16="http://schemas.microsoft.com/office/drawing/2014/main" id="{CE5ADD3B-9A1B-4772-AB82-727DA1DED57E}"/>
+              </a:ext>
+            </a:extLst>
+          </p:cNvPr>
+          <p:cNvSpPr/>
+          <p:nvPr/>
+        </p:nvSpPr>
+        <p:spPr>
+          <a:xfrm>
+            <a:off x="3204648" y="2692866"/>
+            <a:ext cx="352315" cy="352315"/>
+          </a:xfrm>
+          <a:prstGeom prst="ellipse">
+            <a:avLst/>
+          </a:prstGeom>
+        </p:spPr>
+        <p:style>
+          <a:lnRef idx="2">
+            <a:schemeClr val="accent1">
+              <a:shade val="50000"/>
+            </a:schemeClr>
+          </a:lnRef>
+          <a:fillRef idx="1">
+            <a:schemeClr val="accent1"/>
+          </a:fillRef>
+          <a:effectRef idx="0">
+            <a:schemeClr val="accent1"/>
+          </a:effectRef>
+          <a:fontRef idx="minor">
+            <a:schemeClr val="lt1"/>
+          </a:fontRef>
+        </p:style>
+        <p:txBody>
+          <a:bodyPr rtlCol="0" anchor="ctr"/>
+          <a:lstStyle/>
+          <a:p>
+            <a:pPr algn="ctr"/>
+            <a:endParaRPr kumimoji="1" lang="ja-JP" altLang="en-US"/>
+          </a:p>
+        </p:txBody>
+      </p:sp>
+      <p:cxnSp>
+        <p:nvCxnSpPr>
+          <p:cNvPr id="8" name="直線コネクタ 7">
+            <a:extLst>
+              <a:ext uri="{FF2B5EF4-FFF2-40B4-BE49-F238E27FC236}">
+                <a16:creationId xmlns:a16="http://schemas.microsoft.com/office/drawing/2014/main" id="{0D334BA3-DA27-4830-A750-0BAECFF5D499}"/>
+              </a:ext>
+            </a:extLst>
+          </p:cNvPr>
+          <p:cNvCxnSpPr>
+            <a:cxnSpLocks/>
+          </p:cNvCxnSpPr>
+          <p:nvPr/>
+        </p:nvCxnSpPr>
+        <p:spPr>
+          <a:xfrm>
+            <a:off x="3810017" y="2004969"/>
+            <a:ext cx="2121000" cy="0"/>
+          </a:xfrm>
+          <a:prstGeom prst="line">
+            <a:avLst/>
+          </a:prstGeom>
+        </p:spPr>
+        <p:style>
+          <a:lnRef idx="1">
+            <a:schemeClr val="accent1"/>
+          </a:lnRef>
+          <a:fillRef idx="0">
+            <a:schemeClr val="accent1"/>
+          </a:fillRef>
+          <a:effectRef idx="0">
+            <a:schemeClr val="accent1"/>
+          </a:effectRef>
+          <a:fontRef idx="minor">
+            <a:schemeClr val="tx1"/>
+          </a:fontRef>
+        </p:style>
+      </p:cxnSp>
+      <p:sp>
+        <p:nvSpPr>
+          <p:cNvPr id="9" name="テキスト ボックス 8">
+            <a:extLst>
+              <a:ext uri="{FF2B5EF4-FFF2-40B4-BE49-F238E27FC236}">
+                <a16:creationId xmlns:a16="http://schemas.microsoft.com/office/drawing/2014/main" id="{0A89AACF-C72A-4422-A63D-91884E0753FF}"/>
+              </a:ext>
+            </a:extLst>
+          </p:cNvPr>
+          <p:cNvSpPr txBox="1"/>
+          <p:nvPr/>
+        </p:nvSpPr>
+        <p:spPr>
+          <a:xfrm>
+            <a:off x="2612427" y="1811794"/>
+            <a:ext cx="1021433" cy="369332"/>
+          </a:xfrm>
+          <a:prstGeom prst="rect">
+            <a:avLst/>
+          </a:prstGeom>
+          <a:noFill/>
+        </p:spPr>
+        <p:txBody>
+          <a:bodyPr wrap="none" rtlCol="0">
+            <a:spAutoFit/>
+          </a:bodyPr>
+          <a:lstStyle/>
+          <a:p>
+            <a:r>
+              <a:rPr kumimoji="1" lang="ja-JP" altLang="en-US" dirty="0"/>
+              <a:t>ブランチ</a:t>
+            </a:r>
+          </a:p>
+        </p:txBody>
+      </p:sp>
+      <p:cxnSp>
+        <p:nvCxnSpPr>
+          <p:cNvPr id="11" name="直線矢印コネクタ 10">
+            <a:extLst>
+              <a:ext uri="{FF2B5EF4-FFF2-40B4-BE49-F238E27FC236}">
+                <a16:creationId xmlns:a16="http://schemas.microsoft.com/office/drawing/2014/main" id="{E4134C78-D3BE-4411-95D3-843BE8B3C861}"/>
+              </a:ext>
+            </a:extLst>
+          </p:cNvPr>
+          <p:cNvCxnSpPr>
+            <a:cxnSpLocks/>
+            <a:stCxn id="7" idx="7"/>
+            <a:endCxn id="12" idx="3"/>
+          </p:cNvCxnSpPr>
+          <p:nvPr/>
+        </p:nvCxnSpPr>
+        <p:spPr>
+          <a:xfrm flipV="1">
+            <a:off x="3505368" y="2121023"/>
+            <a:ext cx="180087" cy="623438"/>
+          </a:xfrm>
+          <a:prstGeom prst="straightConnector1">
+            <a:avLst/>
+          </a:prstGeom>
+          <a:ln>
+            <a:tailEnd type="triangle"/>
+          </a:ln>
+        </p:spPr>
+        <p:style>
+          <a:lnRef idx="1">
+            <a:schemeClr val="accent1"/>
+          </a:lnRef>
+          <a:fillRef idx="0">
+            <a:schemeClr val="accent1"/>
+          </a:fillRef>
+          <a:effectRef idx="0">
+            <a:schemeClr val="accent1"/>
+          </a:effectRef>
+          <a:fontRef idx="minor">
+            <a:schemeClr val="tx1"/>
+          </a:fontRef>
+        </p:style>
+      </p:cxnSp>
+      <p:sp>
+        <p:nvSpPr>
+          <p:cNvPr id="12" name="楕円 11">
+            <a:extLst>
+              <a:ext uri="{FF2B5EF4-FFF2-40B4-BE49-F238E27FC236}">
+                <a16:creationId xmlns:a16="http://schemas.microsoft.com/office/drawing/2014/main" id="{45480E66-B748-4719-99B4-767B4958EC4B}"/>
+              </a:ext>
+            </a:extLst>
+          </p:cNvPr>
+          <p:cNvSpPr/>
+          <p:nvPr/>
+        </p:nvSpPr>
+        <p:spPr>
+          <a:xfrm>
+            <a:off x="3633860" y="1820303"/>
+            <a:ext cx="352315" cy="352315"/>
+          </a:xfrm>
+          <a:prstGeom prst="ellipse">
+            <a:avLst/>
+          </a:prstGeom>
+        </p:spPr>
+        <p:style>
+          <a:lnRef idx="2">
+            <a:schemeClr val="accent4">
+              <a:shade val="50000"/>
+            </a:schemeClr>
+          </a:lnRef>
+          <a:fillRef idx="1">
+            <a:schemeClr val="accent4"/>
+          </a:fillRef>
+          <a:effectRef idx="0">
+            <a:schemeClr val="accent4"/>
+          </a:effectRef>
+          <a:fontRef idx="minor">
+            <a:schemeClr val="lt1"/>
+          </a:fontRef>
+        </p:style>
+        <p:txBody>
+          <a:bodyPr rtlCol="0" anchor="ctr"/>
+          <a:lstStyle/>
+          <a:p>
+            <a:pPr algn="ctr"/>
+            <a:endParaRPr kumimoji="1" lang="ja-JP" altLang="en-US"/>
+          </a:p>
+        </p:txBody>
+      </p:sp>
+      <p:sp>
+        <p:nvSpPr>
+          <p:cNvPr id="18" name="楕円 17">
+            <a:extLst>
+              <a:ext uri="{FF2B5EF4-FFF2-40B4-BE49-F238E27FC236}">
+                <a16:creationId xmlns:a16="http://schemas.microsoft.com/office/drawing/2014/main" id="{389E0A11-E0E5-4DA1-94E8-372C5E8EE7AC}"/>
+              </a:ext>
+            </a:extLst>
+          </p:cNvPr>
+          <p:cNvSpPr/>
+          <p:nvPr/>
+        </p:nvSpPr>
+        <p:spPr>
+          <a:xfrm>
+            <a:off x="4145824" y="1828811"/>
+            <a:ext cx="352315" cy="352315"/>
+          </a:xfrm>
+          <a:prstGeom prst="ellipse">
+            <a:avLst/>
+          </a:prstGeom>
+        </p:spPr>
+        <p:style>
+          <a:lnRef idx="2">
+            <a:schemeClr val="accent4">
+              <a:shade val="50000"/>
+            </a:schemeClr>
+          </a:lnRef>
+          <a:fillRef idx="1">
+            <a:schemeClr val="accent4"/>
+          </a:fillRef>
+          <a:effectRef idx="0">
+            <a:schemeClr val="accent4"/>
+          </a:effectRef>
+          <a:fontRef idx="minor">
+            <a:schemeClr val="lt1"/>
+          </a:fontRef>
+        </p:style>
+        <p:txBody>
+          <a:bodyPr rtlCol="0" anchor="ctr"/>
+          <a:lstStyle/>
+          <a:p>
+            <a:pPr algn="ctr"/>
+            <a:endParaRPr kumimoji="1" lang="ja-JP" altLang="en-US"/>
+          </a:p>
+        </p:txBody>
+      </p:sp>
+      <p:sp>
+        <p:nvSpPr>
+          <p:cNvPr id="20" name="楕円 19">
+            <a:extLst>
+              <a:ext uri="{FF2B5EF4-FFF2-40B4-BE49-F238E27FC236}">
+                <a16:creationId xmlns:a16="http://schemas.microsoft.com/office/drawing/2014/main" id="{C5F399B4-6AC1-47E6-8738-89D4C3C77AF5}"/>
+              </a:ext>
+            </a:extLst>
+          </p:cNvPr>
+          <p:cNvSpPr/>
+          <p:nvPr/>
+        </p:nvSpPr>
+        <p:spPr>
+          <a:xfrm>
+            <a:off x="3724737" y="2692866"/>
+            <a:ext cx="352315" cy="352315"/>
+          </a:xfrm>
+          <a:prstGeom prst="ellipse">
+            <a:avLst/>
+          </a:prstGeom>
+        </p:spPr>
+        <p:style>
+          <a:lnRef idx="2">
+            <a:schemeClr val="accent1">
+              <a:shade val="50000"/>
+            </a:schemeClr>
+          </a:lnRef>
+          <a:fillRef idx="1">
+            <a:schemeClr val="accent1"/>
+          </a:fillRef>
+          <a:effectRef idx="0">
+            <a:schemeClr val="accent1"/>
+          </a:effectRef>
+          <a:fontRef idx="minor">
+            <a:schemeClr val="lt1"/>
+          </a:fontRef>
+        </p:style>
+        <p:txBody>
+          <a:bodyPr rtlCol="0" anchor="ctr"/>
+          <a:lstStyle/>
+          <a:p>
+            <a:pPr algn="ctr"/>
+            <a:endParaRPr kumimoji="1" lang="ja-JP" altLang="en-US"/>
+          </a:p>
+        </p:txBody>
+      </p:sp>
+      <p:sp>
+        <p:nvSpPr>
+          <p:cNvPr id="21" name="楕円 20">
+            <a:extLst>
+              <a:ext uri="{FF2B5EF4-FFF2-40B4-BE49-F238E27FC236}">
+                <a16:creationId xmlns:a16="http://schemas.microsoft.com/office/drawing/2014/main" id="{FCF0B23B-031E-46C5-9598-B086126419BB}"/>
+              </a:ext>
+            </a:extLst>
+          </p:cNvPr>
+          <p:cNvSpPr/>
+          <p:nvPr/>
+        </p:nvSpPr>
+        <p:spPr>
+          <a:xfrm>
+            <a:off x="4219685" y="2692866"/>
+            <a:ext cx="352315" cy="352315"/>
+          </a:xfrm>
+          <a:prstGeom prst="ellipse">
+            <a:avLst/>
+          </a:prstGeom>
+        </p:spPr>
+        <p:style>
+          <a:lnRef idx="2">
+            <a:schemeClr val="accent1">
+              <a:shade val="50000"/>
+            </a:schemeClr>
+          </a:lnRef>
+          <a:fillRef idx="1">
+            <a:schemeClr val="accent1"/>
+          </a:fillRef>
+          <a:effectRef idx="0">
+            <a:schemeClr val="accent1"/>
+          </a:effectRef>
+          <a:fontRef idx="minor">
+            <a:schemeClr val="lt1"/>
+          </a:fontRef>
+        </p:style>
+        <p:txBody>
+          <a:bodyPr rtlCol="0" anchor="ctr"/>
+          <a:lstStyle/>
+          <a:p>
+            <a:pPr algn="ctr"/>
+            <a:endParaRPr kumimoji="1" lang="ja-JP" altLang="en-US"/>
+          </a:p>
+        </p:txBody>
+      </p:sp>
+      <p:sp>
+        <p:nvSpPr>
+          <p:cNvPr id="22" name="楕円 21">
+            <a:extLst>
+              <a:ext uri="{FF2B5EF4-FFF2-40B4-BE49-F238E27FC236}">
+                <a16:creationId xmlns:a16="http://schemas.microsoft.com/office/drawing/2014/main" id="{BFA339E7-9FB2-4624-BEEB-52F11997386F}"/>
+              </a:ext>
+            </a:extLst>
+          </p:cNvPr>
+          <p:cNvSpPr/>
+          <p:nvPr/>
+        </p:nvSpPr>
+        <p:spPr>
+          <a:xfrm>
+            <a:off x="4714832" y="1828811"/>
+            <a:ext cx="352315" cy="352315"/>
+          </a:xfrm>
+          <a:prstGeom prst="ellipse">
+            <a:avLst/>
+          </a:prstGeom>
+        </p:spPr>
+        <p:style>
+          <a:lnRef idx="2">
+            <a:schemeClr val="accent4">
+              <a:shade val="50000"/>
+            </a:schemeClr>
+          </a:lnRef>
+          <a:fillRef idx="1">
+            <a:schemeClr val="accent4"/>
+          </a:fillRef>
+          <a:effectRef idx="0">
+            <a:schemeClr val="accent4"/>
+          </a:effectRef>
+          <a:fontRef idx="minor">
+            <a:schemeClr val="lt1"/>
+          </a:fontRef>
+        </p:style>
+        <p:txBody>
+          <a:bodyPr rtlCol="0" anchor="ctr"/>
+          <a:lstStyle/>
+          <a:p>
+            <a:pPr algn="ctr"/>
+            <a:endParaRPr kumimoji="1" lang="ja-JP" altLang="en-US"/>
+          </a:p>
+        </p:txBody>
+      </p:sp>
+      <p:sp>
+        <p:nvSpPr>
+          <p:cNvPr id="24" name="テキスト ボックス 23">
+            <a:extLst>
+              <a:ext uri="{FF2B5EF4-FFF2-40B4-BE49-F238E27FC236}">
+                <a16:creationId xmlns:a16="http://schemas.microsoft.com/office/drawing/2014/main" id="{0FF5CDE6-AD97-4D4C-A5E5-835E20DF9806}"/>
+              </a:ext>
+            </a:extLst>
+          </p:cNvPr>
+          <p:cNvSpPr txBox="1"/>
+          <p:nvPr/>
+        </p:nvSpPr>
+        <p:spPr>
+          <a:xfrm>
+            <a:off x="2588458" y="3787383"/>
+            <a:ext cx="712054" cy="369332"/>
+          </a:xfrm>
+          <a:prstGeom prst="rect">
+            <a:avLst/>
+          </a:prstGeom>
+          <a:noFill/>
+        </p:spPr>
+        <p:txBody>
+          <a:bodyPr wrap="none" rtlCol="0">
+            <a:spAutoFit/>
+          </a:bodyPr>
+          <a:lstStyle/>
+          <a:p>
+            <a:r>
+              <a:rPr kumimoji="1" lang="ja-JP" altLang="en-US" dirty="0"/>
+              <a:t>タグ</a:t>
+            </a:r>
+            <a:r>
+              <a:rPr kumimoji="1" lang="en-US" altLang="ja-JP" dirty="0"/>
+              <a:t>A</a:t>
+            </a:r>
+            <a:endParaRPr kumimoji="1" lang="ja-JP" altLang="en-US" dirty="0"/>
+          </a:p>
+        </p:txBody>
+      </p:sp>
+      <p:sp>
+        <p:nvSpPr>
+          <p:cNvPr id="25" name="楕円 24">
+            <a:extLst>
+              <a:ext uri="{FF2B5EF4-FFF2-40B4-BE49-F238E27FC236}">
+                <a16:creationId xmlns:a16="http://schemas.microsoft.com/office/drawing/2014/main" id="{13BFC75C-1F95-4D5A-999E-DDE0D294F063}"/>
+              </a:ext>
+            </a:extLst>
+          </p:cNvPr>
+          <p:cNvSpPr/>
+          <p:nvPr/>
+        </p:nvSpPr>
+        <p:spPr>
+          <a:xfrm>
+            <a:off x="3324481" y="3795892"/>
+            <a:ext cx="352315" cy="352315"/>
+          </a:xfrm>
+          <a:prstGeom prst="ellipse">
+            <a:avLst/>
+          </a:prstGeom>
+        </p:spPr>
+        <p:style>
+          <a:lnRef idx="2">
+            <a:schemeClr val="accent2">
+              <a:shade val="50000"/>
+            </a:schemeClr>
+          </a:lnRef>
+          <a:fillRef idx="1">
+            <a:schemeClr val="accent2"/>
+          </a:fillRef>
+          <a:effectRef idx="0">
+            <a:schemeClr val="accent2"/>
+          </a:effectRef>
+          <a:fontRef idx="minor">
+            <a:schemeClr val="lt1"/>
+          </a:fontRef>
+        </p:style>
+        <p:txBody>
+          <a:bodyPr rtlCol="0" anchor="ctr"/>
+          <a:lstStyle/>
+          <a:p>
+            <a:pPr algn="ctr"/>
+            <a:endParaRPr kumimoji="1" lang="ja-JP" altLang="en-US"/>
+          </a:p>
+        </p:txBody>
+      </p:sp>
+      <p:cxnSp>
+        <p:nvCxnSpPr>
+          <p:cNvPr id="30" name="直線矢印コネクタ 29">
+            <a:extLst>
+              <a:ext uri="{FF2B5EF4-FFF2-40B4-BE49-F238E27FC236}">
+                <a16:creationId xmlns:a16="http://schemas.microsoft.com/office/drawing/2014/main" id="{0A0D8ED6-C9F2-4739-AFA2-3882D93A4D8E}"/>
+              </a:ext>
+            </a:extLst>
+          </p:cNvPr>
+          <p:cNvCxnSpPr>
+            <a:stCxn id="6" idx="5"/>
+            <a:endCxn id="25" idx="1"/>
+          </p:cNvCxnSpPr>
+          <p:nvPr/>
+        </p:nvCxnSpPr>
+        <p:spPr>
+          <a:xfrm>
+            <a:off x="2892890" y="2993586"/>
+            <a:ext cx="483186" cy="853901"/>
+          </a:xfrm>
+          <a:prstGeom prst="straightConnector1">
+            <a:avLst/>
+          </a:prstGeom>
+          <a:ln>
+            <a:tailEnd type="triangle"/>
+          </a:ln>
+        </p:spPr>
+        <p:style>
+          <a:lnRef idx="1">
+            <a:schemeClr val="accent1"/>
+          </a:lnRef>
+          <a:fillRef idx="0">
+            <a:schemeClr val="accent1"/>
+          </a:fillRef>
+          <a:effectRef idx="0">
+            <a:schemeClr val="accent1"/>
+          </a:effectRef>
+          <a:fontRef idx="minor">
+            <a:schemeClr val="tx1"/>
+          </a:fontRef>
+        </p:style>
+      </p:cxnSp>
+      <p:sp>
+        <p:nvSpPr>
+          <p:cNvPr id="32" name="テキスト ボックス 31">
+            <a:extLst>
+              <a:ext uri="{FF2B5EF4-FFF2-40B4-BE49-F238E27FC236}">
+                <a16:creationId xmlns:a16="http://schemas.microsoft.com/office/drawing/2014/main" id="{CA9F65F6-76C3-45EF-9313-64AA6C0EEFF0}"/>
+              </a:ext>
+            </a:extLst>
+          </p:cNvPr>
+          <p:cNvSpPr txBox="1"/>
+          <p:nvPr/>
+        </p:nvSpPr>
+        <p:spPr>
+          <a:xfrm>
+            <a:off x="4079317" y="3480094"/>
+            <a:ext cx="704039" cy="369332"/>
+          </a:xfrm>
+          <a:prstGeom prst="rect">
+            <a:avLst/>
+          </a:prstGeom>
+          <a:noFill/>
+        </p:spPr>
+        <p:txBody>
+          <a:bodyPr wrap="none" rtlCol="0">
+            <a:spAutoFit/>
+          </a:bodyPr>
+          <a:lstStyle/>
+          <a:p>
+            <a:r>
+              <a:rPr kumimoji="1" lang="ja-JP" altLang="en-US" dirty="0"/>
+              <a:t>タグ</a:t>
+            </a:r>
+            <a:r>
+              <a:rPr kumimoji="1" lang="en-US" altLang="ja-JP" dirty="0"/>
+              <a:t>B</a:t>
+            </a:r>
+            <a:endParaRPr kumimoji="1" lang="ja-JP" altLang="en-US" dirty="0"/>
+          </a:p>
+        </p:txBody>
+      </p:sp>
+      <p:sp>
+        <p:nvSpPr>
+          <p:cNvPr id="33" name="楕円 32">
+            <a:extLst>
+              <a:ext uri="{FF2B5EF4-FFF2-40B4-BE49-F238E27FC236}">
+                <a16:creationId xmlns:a16="http://schemas.microsoft.com/office/drawing/2014/main" id="{6A4C78A4-D322-4F34-8E6C-B38EE0706C4C}"/>
+              </a:ext>
+            </a:extLst>
+          </p:cNvPr>
+          <p:cNvSpPr/>
+          <p:nvPr/>
+        </p:nvSpPr>
+        <p:spPr>
+          <a:xfrm>
+            <a:off x="4815340" y="3488603"/>
+            <a:ext cx="352315" cy="352315"/>
+          </a:xfrm>
+          <a:prstGeom prst="ellipse">
+            <a:avLst/>
+          </a:prstGeom>
+        </p:spPr>
+        <p:style>
+          <a:lnRef idx="2">
+            <a:schemeClr val="accent2">
+              <a:shade val="50000"/>
+            </a:schemeClr>
+          </a:lnRef>
+          <a:fillRef idx="1">
+            <a:schemeClr val="accent2"/>
+          </a:fillRef>
+          <a:effectRef idx="0">
+            <a:schemeClr val="accent2"/>
+          </a:effectRef>
+          <a:fontRef idx="minor">
+            <a:schemeClr val="lt1"/>
+          </a:fontRef>
+        </p:style>
+        <p:txBody>
+          <a:bodyPr rtlCol="0" anchor="ctr"/>
+          <a:lstStyle/>
+          <a:p>
+            <a:pPr algn="ctr"/>
+            <a:endParaRPr kumimoji="1" lang="ja-JP" altLang="en-US"/>
+          </a:p>
+        </p:txBody>
+      </p:sp>
+      <p:cxnSp>
+        <p:nvCxnSpPr>
+          <p:cNvPr id="37" name="直線矢印コネクタ 36">
+            <a:extLst>
+              <a:ext uri="{FF2B5EF4-FFF2-40B4-BE49-F238E27FC236}">
+                <a16:creationId xmlns:a16="http://schemas.microsoft.com/office/drawing/2014/main" id="{4727D796-67B8-4D2E-A877-239AE8615D11}"/>
+              </a:ext>
+            </a:extLst>
+          </p:cNvPr>
+          <p:cNvCxnSpPr>
+            <a:stCxn id="21" idx="5"/>
+            <a:endCxn id="33" idx="1"/>
+          </p:cNvCxnSpPr>
+          <p:nvPr/>
+        </p:nvCxnSpPr>
+        <p:spPr>
+          <a:xfrm>
+            <a:off x="4520405" y="2993586"/>
+            <a:ext cx="346530" cy="546612"/>
+          </a:xfrm>
+          <a:prstGeom prst="straightConnector1">
+            <a:avLst/>
+          </a:prstGeom>
+          <a:ln>
+            <a:tailEnd type="triangle"/>
+          </a:ln>
+        </p:spPr>
+        <p:style>
+          <a:lnRef idx="1">
+            <a:schemeClr val="accent1"/>
+          </a:lnRef>
+          <a:fillRef idx="0">
+            <a:schemeClr val="accent1"/>
+          </a:fillRef>
+          <a:effectRef idx="0">
+            <a:schemeClr val="accent1"/>
+          </a:effectRef>
+          <a:fontRef idx="minor">
+            <a:schemeClr val="tx1"/>
+          </a:fontRef>
+        </p:style>
+      </p:cxnSp>
+      <p:sp>
+        <p:nvSpPr>
+          <p:cNvPr id="39" name="楕円 38">
+            <a:extLst>
+              <a:ext uri="{FF2B5EF4-FFF2-40B4-BE49-F238E27FC236}">
+                <a16:creationId xmlns:a16="http://schemas.microsoft.com/office/drawing/2014/main" id="{2020ADF7-A2D5-461A-9EB9-07EBCDA8EB11}"/>
+              </a:ext>
+            </a:extLst>
+          </p:cNvPr>
+          <p:cNvSpPr/>
+          <p:nvPr/>
+        </p:nvSpPr>
+        <p:spPr>
+          <a:xfrm>
+            <a:off x="5191524" y="2702128"/>
+            <a:ext cx="352315" cy="352315"/>
+          </a:xfrm>
+          <a:prstGeom prst="ellipse">
+            <a:avLst/>
+          </a:prstGeom>
+        </p:spPr>
+        <p:style>
+          <a:lnRef idx="2">
+            <a:schemeClr val="accent1">
+              <a:shade val="50000"/>
+            </a:schemeClr>
+          </a:lnRef>
+          <a:fillRef idx="1">
+            <a:schemeClr val="accent1"/>
+          </a:fillRef>
+          <a:effectRef idx="0">
+            <a:schemeClr val="accent1"/>
+          </a:effectRef>
+          <a:fontRef idx="minor">
+            <a:schemeClr val="lt1"/>
+          </a:fontRef>
+        </p:style>
+        <p:txBody>
+          <a:bodyPr rtlCol="0" anchor="ctr"/>
+          <a:lstStyle/>
+          <a:p>
+            <a:pPr algn="ctr"/>
+            <a:endParaRPr kumimoji="1" lang="ja-JP" altLang="en-US"/>
+          </a:p>
+        </p:txBody>
+      </p:sp>
+      <p:sp>
+        <p:nvSpPr>
+          <p:cNvPr id="40" name="テキスト ボックス 39">
+            <a:extLst>
+              <a:ext uri="{FF2B5EF4-FFF2-40B4-BE49-F238E27FC236}">
+                <a16:creationId xmlns:a16="http://schemas.microsoft.com/office/drawing/2014/main" id="{1CEDC6D7-EA94-4A00-8C73-E0A26B487F32}"/>
+              </a:ext>
+            </a:extLst>
+          </p:cNvPr>
+          <p:cNvSpPr txBox="1"/>
+          <p:nvPr/>
+        </p:nvSpPr>
+        <p:spPr>
+          <a:xfrm>
+            <a:off x="3294055" y="2358756"/>
+            <a:ext cx="628196" cy="261610"/>
+          </a:xfrm>
+          <a:prstGeom prst="rect">
+            <a:avLst/>
+          </a:prstGeom>
+        </p:spPr>
+        <p:style>
+          <a:lnRef idx="2">
+            <a:schemeClr val="dk1"/>
+          </a:lnRef>
+          <a:fillRef idx="1">
+            <a:schemeClr val="lt1"/>
+          </a:fillRef>
+          <a:effectRef idx="0">
+            <a:schemeClr val="dk1"/>
+          </a:effectRef>
+          <a:fontRef idx="minor">
+            <a:schemeClr val="dk1"/>
+          </a:fontRef>
+        </p:style>
+        <p:txBody>
+          <a:bodyPr wrap="square" rtlCol="0" anchor="ctr">
+            <a:spAutoFit/>
+          </a:bodyPr>
+          <a:lstStyle/>
+          <a:p>
+            <a:pPr algn="ctr"/>
+            <a:r>
+              <a:rPr lang="ja-JP" altLang="en-US" sz="1100" dirty="0"/>
+              <a:t>コピー</a:t>
+            </a:r>
+            <a:endParaRPr kumimoji="1" lang="ja-JP" altLang="en-US" sz="1100" dirty="0"/>
+          </a:p>
+        </p:txBody>
+      </p:sp>
+      <p:sp>
+        <p:nvSpPr>
+          <p:cNvPr id="41" name="テキスト ボックス 40">
+            <a:extLst>
+              <a:ext uri="{FF2B5EF4-FFF2-40B4-BE49-F238E27FC236}">
+                <a16:creationId xmlns:a16="http://schemas.microsoft.com/office/drawing/2014/main" id="{D89B0381-9FDC-49E7-A080-1195188F85E7}"/>
+              </a:ext>
+            </a:extLst>
+          </p:cNvPr>
+          <p:cNvSpPr txBox="1"/>
+          <p:nvPr/>
+        </p:nvSpPr>
+        <p:spPr>
+          <a:xfrm>
+            <a:off x="4468863" y="3100927"/>
+            <a:ext cx="628196" cy="261610"/>
+          </a:xfrm>
+          <a:prstGeom prst="rect">
+            <a:avLst/>
+          </a:prstGeom>
+        </p:spPr>
+        <p:style>
+          <a:lnRef idx="2">
+            <a:schemeClr val="dk1"/>
+          </a:lnRef>
+          <a:fillRef idx="1">
+            <a:schemeClr val="lt1"/>
+          </a:fillRef>
+          <a:effectRef idx="0">
+            <a:schemeClr val="dk1"/>
+          </a:effectRef>
+          <a:fontRef idx="minor">
+            <a:schemeClr val="dk1"/>
+          </a:fontRef>
+        </p:style>
+        <p:txBody>
+          <a:bodyPr wrap="square" rtlCol="0" anchor="ctr">
+            <a:spAutoFit/>
+          </a:bodyPr>
+          <a:lstStyle/>
+          <a:p>
+            <a:pPr algn="ctr"/>
+            <a:r>
+              <a:rPr lang="ja-JP" altLang="en-US" sz="1100" dirty="0"/>
+              <a:t>コピー</a:t>
+            </a:r>
+            <a:endParaRPr kumimoji="1" lang="ja-JP" altLang="en-US" sz="1100" dirty="0"/>
+          </a:p>
+        </p:txBody>
+      </p:sp>
+      <p:sp>
+        <p:nvSpPr>
+          <p:cNvPr id="42" name="テキスト ボックス 41">
+            <a:extLst>
+              <a:ext uri="{FF2B5EF4-FFF2-40B4-BE49-F238E27FC236}">
+                <a16:creationId xmlns:a16="http://schemas.microsoft.com/office/drawing/2014/main" id="{8F5A5230-53B5-46AB-B683-0E65E79D1B54}"/>
+              </a:ext>
+            </a:extLst>
+          </p:cNvPr>
+          <p:cNvSpPr txBox="1"/>
+          <p:nvPr/>
+        </p:nvSpPr>
+        <p:spPr>
+          <a:xfrm>
+            <a:off x="2830789" y="3299886"/>
+            <a:ext cx="628196" cy="261610"/>
+          </a:xfrm>
+          <a:prstGeom prst="rect">
+            <a:avLst/>
+          </a:prstGeom>
+        </p:spPr>
+        <p:style>
+          <a:lnRef idx="2">
+            <a:schemeClr val="dk1"/>
+          </a:lnRef>
+          <a:fillRef idx="1">
+            <a:schemeClr val="lt1"/>
+          </a:fillRef>
+          <a:effectRef idx="0">
+            <a:schemeClr val="dk1"/>
+          </a:effectRef>
+          <a:fontRef idx="minor">
+            <a:schemeClr val="dk1"/>
+          </a:fontRef>
+        </p:style>
+        <p:txBody>
+          <a:bodyPr wrap="square" rtlCol="0" anchor="ctr">
+            <a:spAutoFit/>
+          </a:bodyPr>
+          <a:lstStyle/>
+          <a:p>
+            <a:pPr algn="ctr"/>
+            <a:r>
+              <a:rPr lang="ja-JP" altLang="en-US" sz="1100" dirty="0"/>
+              <a:t>コピー</a:t>
+            </a:r>
+            <a:endParaRPr kumimoji="1" lang="ja-JP" altLang="en-US" sz="1100" dirty="0"/>
+          </a:p>
+        </p:txBody>
+      </p:sp>
+      <p:cxnSp>
+        <p:nvCxnSpPr>
+          <p:cNvPr id="26" name="直線矢印コネクタ 25">
+            <a:extLst>
+              <a:ext uri="{FF2B5EF4-FFF2-40B4-BE49-F238E27FC236}">
+                <a16:creationId xmlns:a16="http://schemas.microsoft.com/office/drawing/2014/main" id="{BCDDFD2C-CFD5-4801-9DFA-77760F4982F7}"/>
+              </a:ext>
+            </a:extLst>
+          </p:cNvPr>
+          <p:cNvCxnSpPr>
+            <a:cxnSpLocks/>
+            <a:stCxn id="22" idx="5"/>
+            <a:endCxn id="39" idx="1"/>
+          </p:cNvCxnSpPr>
+          <p:nvPr/>
+        </p:nvCxnSpPr>
+        <p:spPr>
+          <a:xfrm>
+            <a:off x="5015552" y="2129531"/>
+            <a:ext cx="227567" cy="624192"/>
+          </a:xfrm>
+          <a:prstGeom prst="straightConnector1">
+            <a:avLst/>
+          </a:prstGeom>
+          <a:ln>
+            <a:tailEnd type="triangle"/>
+          </a:ln>
+        </p:spPr>
+        <p:style>
+          <a:lnRef idx="1">
+            <a:schemeClr val="accent1"/>
+          </a:lnRef>
+          <a:fillRef idx="0">
+            <a:schemeClr val="accent1"/>
+          </a:fillRef>
+          <a:effectRef idx="0">
+            <a:schemeClr val="accent1"/>
+          </a:effectRef>
+          <a:fontRef idx="minor">
+            <a:schemeClr val="tx1"/>
+          </a:fontRef>
+        </p:style>
+      </p:cxnSp>
+      <p:sp>
+        <p:nvSpPr>
+          <p:cNvPr id="31" name="テキスト ボックス 30">
+            <a:extLst>
+              <a:ext uri="{FF2B5EF4-FFF2-40B4-BE49-F238E27FC236}">
+                <a16:creationId xmlns:a16="http://schemas.microsoft.com/office/drawing/2014/main" id="{71A322EB-2B50-475A-86FD-B280B2F2F45C}"/>
+              </a:ext>
+            </a:extLst>
+          </p:cNvPr>
+          <p:cNvSpPr txBox="1"/>
+          <p:nvPr/>
+        </p:nvSpPr>
+        <p:spPr>
+          <a:xfrm>
+            <a:off x="4830351" y="2307589"/>
+            <a:ext cx="628196" cy="261610"/>
+          </a:xfrm>
+          <a:prstGeom prst="rect">
+            <a:avLst/>
+          </a:prstGeom>
+        </p:spPr>
+        <p:style>
+          <a:lnRef idx="2">
+            <a:schemeClr val="dk1"/>
+          </a:lnRef>
+          <a:fillRef idx="1">
+            <a:schemeClr val="lt1"/>
+          </a:fillRef>
+          <a:effectRef idx="0">
+            <a:schemeClr val="dk1"/>
+          </a:effectRef>
+          <a:fontRef idx="minor">
+            <a:schemeClr val="dk1"/>
+          </a:fontRef>
+        </p:style>
+        <p:txBody>
+          <a:bodyPr wrap="square" rtlCol="0" anchor="ctr">
+            <a:spAutoFit/>
+          </a:bodyPr>
+          <a:lstStyle/>
+          <a:p>
+            <a:pPr algn="ctr"/>
+            <a:r>
+              <a:rPr lang="ja-JP" altLang="en-US" sz="1100" dirty="0"/>
+              <a:t>統合</a:t>
+            </a:r>
+            <a:endParaRPr kumimoji="1" lang="ja-JP" altLang="en-US" sz="1100" dirty="0"/>
+          </a:p>
+        </p:txBody>
+      </p:sp>
     </p:spTree>
     <p:extLst>
       <p:ext uri="{BB962C8B-B14F-4D97-AF65-F5344CB8AC3E}">
-        <p14:creationId xmlns:p14="http://schemas.microsoft.com/office/powerpoint/2010/main" val="3669536192"/>
+        <p14:creationId xmlns:p14="http://schemas.microsoft.com/office/powerpoint/2010/main" val="2724756583"/>
       </p:ext>
     </p:extLst>
   </p:cSld>
@@ -3332,8 +4411,8 @@
         </p:blipFill>
         <p:spPr>
           <a:xfrm>
-            <a:off x="2576512" y="2519362"/>
-            <a:ext cx="3990975" cy="1819275"/>
+            <a:off x="1466850" y="1247775"/>
+            <a:ext cx="6210300" cy="4362450"/>
           </a:xfrm>
           <a:prstGeom prst="rect">
             <a:avLst/>
@@ -3343,7 +4422,7 @@
     </p:spTree>
     <p:extLst>
       <p:ext uri="{BB962C8B-B14F-4D97-AF65-F5344CB8AC3E}">
-        <p14:creationId xmlns:p14="http://schemas.microsoft.com/office/powerpoint/2010/main" val="3277086565"/>
+        <p14:creationId xmlns:p14="http://schemas.microsoft.com/office/powerpoint/2010/main" val="3669536192"/>
       </p:ext>
     </p:extLst>
   </p:cSld>
@@ -3386,6 +4465,60 @@
         </p:blipFill>
         <p:spPr>
           <a:xfrm>
+            <a:off x="2576512" y="2519362"/>
+            <a:ext cx="3990975" cy="1819275"/>
+          </a:xfrm>
+          <a:prstGeom prst="rect">
+            <a:avLst/>
+          </a:prstGeom>
+        </p:spPr>
+      </p:pic>
+    </p:spTree>
+    <p:extLst>
+      <p:ext uri="{BB962C8B-B14F-4D97-AF65-F5344CB8AC3E}">
+        <p14:creationId xmlns:p14="http://schemas.microsoft.com/office/powerpoint/2010/main" val="3277086565"/>
+      </p:ext>
+    </p:extLst>
+  </p:cSld>
+  <p:clrMapOvr>
+    <a:masterClrMapping/>
+  </p:clrMapOvr>
+</p:sld>
+</file>
+
+<file path=ppt/slides/slide4.xml><?xml version="1.0" encoding="utf-8"?>
+<p:sld xmlns:a="http://schemas.openxmlformats.org/drawingml/2006/main" xmlns:r="http://schemas.openxmlformats.org/officeDocument/2006/relationships" xmlns:p="http://schemas.openxmlformats.org/presentationml/2006/main">
+  <p:cSld>
+    <p:spTree>
+      <p:nvGrpSpPr>
+        <p:cNvPr id="1" name=""/>
+        <p:cNvGrpSpPr/>
+        <p:nvPr/>
+      </p:nvGrpSpPr>
+      <p:grpSpPr>
+        <a:xfrm>
+          <a:off x="0" y="0"/>
+          <a:ext cx="0" cy="0"/>
+          <a:chOff x="0" y="0"/>
+          <a:chExt cx="0" cy="0"/>
+        </a:xfrm>
+      </p:grpSpPr>
+      <p:pic>
+        <p:nvPicPr>
+          <p:cNvPr id="2" name="図 1"/>
+          <p:cNvPicPr>
+            <a:picLocks noChangeAspect="1"/>
+          </p:cNvPicPr>
+          <p:nvPr/>
+        </p:nvPicPr>
+        <p:blipFill>
+          <a:blip r:embed="rId2"/>
+          <a:stretch>
+            <a:fillRect/>
+          </a:stretch>
+        </p:blipFill>
+        <p:spPr>
+          <a:xfrm>
             <a:off x="2738437" y="2433637"/>
             <a:ext cx="3667125" cy="1990725"/>
           </a:xfrm>
@@ -3407,7 +4540,7 @@
 </p:sld>
 </file>
 
-<file path=ppt/slides/slide4.xml><?xml version="1.0" encoding="utf-8"?>
+<file path=ppt/slides/slide5.xml><?xml version="1.0" encoding="utf-8"?>
 <p:sld xmlns:a="http://schemas.openxmlformats.org/drawingml/2006/main" xmlns:r="http://schemas.openxmlformats.org/officeDocument/2006/relationships" xmlns:p="http://schemas.openxmlformats.org/presentationml/2006/main">
   <p:cSld>
     <p:spTree>
